--- a/zakritoe.pptx
+++ b/zakritoe.pptx
@@ -230,7 +230,7 @@
           <a:p>
             <a:fld id="{1A783C54-5917-4323-B429-CCB6A5B63DB5}" type="datetimeFigureOut">
               <a:rPr lang="zh-CN" altLang="en-US" smtClean="0"/>
-              <a:t>2021/1/18</a:t>
+              <a:t>2021/1/19</a:t>
             </a:fld>
             <a:endParaRPr lang="zh-CN" altLang="en-US"/>
           </a:p>
@@ -2691,110 +2691,78 @@
           </a:p>
         </p:txBody>
       </p:sp>
-      <p:sp>
-        <p:nvSpPr>
-          <p:cNvPr id="3" name="TextBox 2">
+      <p:pic>
+        <p:nvPicPr>
+          <p:cNvPr id="5" name="Рисунок 4">
             <a:extLst>
               <a:ext uri="{FF2B5EF4-FFF2-40B4-BE49-F238E27FC236}">
-                <a16:creationId xmlns:a16="http://schemas.microsoft.com/office/drawing/2014/main" id="{4DEC30F5-1E7B-4517-8E94-88A40BC01201}"/>
+                <a16:creationId xmlns:a16="http://schemas.microsoft.com/office/drawing/2014/main" id="{A69FE78B-2468-4BF7-AB1F-0E4A870B0EB3}"/>
               </a:ext>
             </a:extLst>
           </p:cNvPr>
-          <p:cNvSpPr txBox="1"/>
+          <p:cNvPicPr>
+            <a:picLocks noChangeAspect="1"/>
+          </p:cNvPicPr>
           <p:nvPr/>
-        </p:nvSpPr>
-        <p:spPr>
-          <a:xfrm>
-            <a:off x="670097" y="1461648"/>
-            <a:ext cx="8927416" cy="3693319"/>
-          </a:xfrm>
-          <a:prstGeom prst="rect">
-            <a:avLst/>
-          </a:prstGeom>
-          <a:noFill/>
-        </p:spPr>
-        <p:txBody>
-          <a:bodyPr wrap="square" rtlCol="0">
-            <a:spAutoFit/>
-          </a:bodyPr>
-          <a:lstStyle/>
-          <a:p>
-            <a:r>
-              <a:rPr lang="ru-RU" dirty="0" err="1"/>
-              <a:t>Акио</a:t>
-            </a:r>
-            <a:r>
-              <a:rPr lang="ru-RU" dirty="0"/>
-              <a:t> – главный герой, пошел в сауну со своими друзьями, один из которых является владельцем крупнейшей фирмы в Японии по производству окон. В один момент </a:t>
-            </a:r>
-            <a:r>
-              <a:rPr lang="ru-RU" dirty="0" err="1"/>
-              <a:t>Акио</a:t>
-            </a:r>
-            <a:r>
-              <a:rPr lang="ru-RU" dirty="0"/>
-              <a:t> начал чувствовать тяжесть из-за нехватки кислорода. Несколько минут спустя он потерял сознание. По счастливой случайности, Мисс Деловая проходила мимо сауны и открыла дверь, впустив прохладный свежий воздух. Увидев </a:t>
-            </a:r>
-            <a:r>
-              <a:rPr lang="ru-RU" dirty="0" err="1"/>
-              <a:t>Акио</a:t>
-            </a:r>
-            <a:r>
-              <a:rPr lang="ru-RU" dirty="0"/>
-              <a:t> и двух его друзей, она сразу же попыталась спасти их, но увы, она опоздала: все кроме </a:t>
-            </a:r>
-            <a:r>
-              <a:rPr lang="ru-RU" dirty="0" err="1"/>
-              <a:t>Акио</a:t>
-            </a:r>
-            <a:r>
-              <a:rPr lang="ru-RU" dirty="0"/>
-              <a:t> погибли, а тело </a:t>
-            </a:r>
-            <a:r>
-              <a:rPr lang="ru-RU" dirty="0" err="1"/>
-              <a:t>Акио</a:t>
-            </a:r>
-            <a:r>
-              <a:rPr lang="ru-RU" dirty="0"/>
-              <a:t> было все в ожогах. </a:t>
-            </a:r>
-            <a:r>
-              <a:rPr lang="ru-RU" dirty="0" err="1"/>
-              <a:t>Акио</a:t>
-            </a:r>
-            <a:r>
-              <a:rPr lang="ru-RU" dirty="0"/>
-              <a:t> остался </a:t>
-            </a:r>
-            <a:r>
-              <a:rPr lang="ru-RU" dirty="0" err="1"/>
-              <a:t>остался</a:t>
-            </a:r>
-            <a:r>
-              <a:rPr lang="ru-RU" dirty="0"/>
-              <a:t> один, так как после инцидента Мисс Деловая бросила его. Узнав, что все это произошло из-за человека, которого </a:t>
-            </a:r>
-            <a:r>
-              <a:rPr lang="ru-RU" dirty="0" err="1"/>
-              <a:t>Акио</a:t>
-            </a:r>
-            <a:r>
-              <a:rPr lang="ru-RU" dirty="0"/>
-              <a:t> начал называть Мистером Душным, он начал жить с одной лишь целью - отомстить. </a:t>
-            </a:r>
-          </a:p>
-          <a:p>
-            <a:r>
-              <a:rPr lang="ru-RU" dirty="0"/>
-              <a:t>	Мистер душный был преемником владельца фирмы по производству окон, поэтому он совершил убийство и после этого стал владельцем фирмы, и теперь компания стала производить исключительно закрытые окна.</a:t>
-            </a:r>
-          </a:p>
-          <a:p>
-            <a:endParaRPr lang="ru-RU" dirty="0"/>
-          </a:p>
-        </p:txBody>
-      </p:sp>
+        </p:nvPicPr>
+        <p:blipFill>
+          <a:blip r:embed="rId4">
+            <a:extLst>
+              <a:ext uri="{28A0092B-C50C-407E-A947-70E740481C1C}">
+                <a14:useLocalDpi xmlns:a14="http://schemas.microsoft.com/office/drawing/2010/main" val="0"/>
+              </a:ext>
+            </a:extLst>
+          </a:blip>
+          <a:stretch>
+            <a:fillRect/>
+          </a:stretch>
+        </p:blipFill>
+        <p:spPr>
+          <a:xfrm>
+            <a:off x="925202" y="1769304"/>
+            <a:ext cx="3002221" cy="4219337"/>
+          </a:xfrm>
+          <a:prstGeom prst="rect">
+            <a:avLst/>
+          </a:prstGeom>
+        </p:spPr>
+      </p:pic>
+      <p:pic>
+        <p:nvPicPr>
+          <p:cNvPr id="8" name="Рисунок 7">
+            <a:extLst>
+              <a:ext uri="{FF2B5EF4-FFF2-40B4-BE49-F238E27FC236}">
+                <a16:creationId xmlns:a16="http://schemas.microsoft.com/office/drawing/2014/main" id="{DD5B3072-5A9E-499A-A071-BA0E385BCA56}"/>
+              </a:ext>
+            </a:extLst>
+          </p:cNvPr>
+          <p:cNvPicPr>
+            <a:picLocks noChangeAspect="1"/>
+          </p:cNvPicPr>
+          <p:nvPr/>
+        </p:nvPicPr>
+        <p:blipFill>
+          <a:blip r:embed="rId5">
+            <a:extLst>
+              <a:ext uri="{28A0092B-C50C-407E-A947-70E740481C1C}">
+                <a14:useLocalDpi xmlns:a14="http://schemas.microsoft.com/office/drawing/2010/main" val="0"/>
+              </a:ext>
+            </a:extLst>
+          </a:blip>
+          <a:stretch>
+            <a:fillRect/>
+          </a:stretch>
+        </p:blipFill>
+        <p:spPr>
+          <a:xfrm flipH="1">
+            <a:off x="5299961" y="1566579"/>
+            <a:ext cx="4143841" cy="4417692"/>
+          </a:xfrm>
+          <a:prstGeom prst="rect">
+            <a:avLst/>
+          </a:prstGeom>
+        </p:spPr>
+      </p:pic>
     </p:spTree>
     <p:extLst>
       <p:ext uri="{BB962C8B-B14F-4D97-AF65-F5344CB8AC3E}">
